--- a/docs/ai_co_create_open_data_hachinohe.pptx
+++ b/docs/ai_co_create_open_data_hachinohe.pptx
@@ -203,7 +203,7 @@
           <a:p>
             <a:fld id="{143D0302-6A01-B948-9EFD-7D48D6E1EA17}" type="datetimeFigureOut">
               <a:rPr kumimoji="1" lang="ja-JP" altLang="en-US" smtClean="0"/>
-              <a:t>2025/2/16</a:t>
+              <a:t>2025/2/20</a:t>
             </a:fld>
             <a:endParaRPr kumimoji="1" lang="ja-JP" altLang="en-US"/>
           </a:p>
@@ -633,7 +633,7 @@
           <a:p>
             <a:fld id="{E7E571D0-F083-AA46-BA1D-B30058881D54}" type="datetime1">
               <a:rPr kumimoji="1" lang="ja-JP" altLang="en-US" smtClean="0"/>
-              <a:t>2025/2/16</a:t>
+              <a:t>2025/2/20</a:t>
             </a:fld>
             <a:endParaRPr kumimoji="1" lang="ja-JP" altLang="en-US"/>
           </a:p>
@@ -835,7 +835,7 @@
           <a:p>
             <a:fld id="{95872798-86BF-D645-832E-B6E4AAE05135}" type="datetime1">
               <a:rPr kumimoji="1" lang="ja-JP" altLang="en-US" smtClean="0"/>
-              <a:t>2025/2/16</a:t>
+              <a:t>2025/2/20</a:t>
             </a:fld>
             <a:endParaRPr kumimoji="1" lang="ja-JP" altLang="en-US"/>
           </a:p>
@@ -1047,7 +1047,7 @@
           <a:p>
             <a:fld id="{F31AD8DB-1ADE-354C-8BE1-5D258B458081}" type="datetime1">
               <a:rPr kumimoji="1" lang="ja-JP" altLang="en-US" smtClean="0"/>
-              <a:t>2025/2/16</a:t>
+              <a:t>2025/2/20</a:t>
             </a:fld>
             <a:endParaRPr kumimoji="1" lang="ja-JP" altLang="en-US"/>
           </a:p>
@@ -1249,7 +1249,7 @@
           <a:p>
             <a:fld id="{ED56A724-01AF-534A-8324-F59D8188BB4B}" type="datetime1">
               <a:rPr kumimoji="1" lang="ja-JP" altLang="en-US" smtClean="0"/>
-              <a:t>2025/2/16</a:t>
+              <a:t>2025/2/20</a:t>
             </a:fld>
             <a:endParaRPr kumimoji="1" lang="ja-JP" altLang="en-US"/>
           </a:p>
@@ -1493,7 +1493,7 @@
           <a:p>
             <a:fld id="{5E7BEBD0-A6D7-3C40-90A7-46FE9A29449D}" type="datetime1">
               <a:rPr kumimoji="1" lang="ja-JP" altLang="en-US" smtClean="0"/>
-              <a:t>2025/2/16</a:t>
+              <a:t>2025/2/20</a:t>
             </a:fld>
             <a:endParaRPr kumimoji="1" lang="ja-JP" altLang="en-US"/>
           </a:p>
@@ -1789,7 +1789,7 @@
           <a:p>
             <a:fld id="{8C68EAA0-0290-A049-AB0E-77368EA7DC5E}" type="datetime1">
               <a:rPr kumimoji="1" lang="ja-JP" altLang="en-US" smtClean="0"/>
-              <a:t>2025/2/16</a:t>
+              <a:t>2025/2/20</a:t>
             </a:fld>
             <a:endParaRPr kumimoji="1" lang="ja-JP" altLang="en-US"/>
           </a:p>
@@ -2220,7 +2220,7 @@
           <a:p>
             <a:fld id="{AC8DA66C-4753-9D4A-A4D0-A2D05FD4BDE9}" type="datetime1">
               <a:rPr kumimoji="1" lang="ja-JP" altLang="en-US" smtClean="0"/>
-              <a:t>2025/2/16</a:t>
+              <a:t>2025/2/20</a:t>
             </a:fld>
             <a:endParaRPr kumimoji="1" lang="ja-JP" altLang="en-US"/>
           </a:p>
@@ -2338,7 +2338,7 @@
           <a:p>
             <a:fld id="{149CCED1-5CC5-134F-9F83-99A3A9CC9AE6}" type="datetime1">
               <a:rPr kumimoji="1" lang="ja-JP" altLang="en-US" smtClean="0"/>
-              <a:t>2025/2/16</a:t>
+              <a:t>2025/2/20</a:t>
             </a:fld>
             <a:endParaRPr kumimoji="1" lang="ja-JP" altLang="en-US"/>
           </a:p>
@@ -2433,7 +2433,7 @@
           <a:p>
             <a:fld id="{7F4B22A9-7A7F-5647-953B-2EC2F1A5BD2B}" type="datetime1">
               <a:rPr kumimoji="1" lang="ja-JP" altLang="en-US" smtClean="0"/>
-              <a:t>2025/2/16</a:t>
+              <a:t>2025/2/20</a:t>
             </a:fld>
             <a:endParaRPr kumimoji="1" lang="ja-JP" altLang="en-US"/>
           </a:p>
@@ -2742,7 +2742,7 @@
           <a:p>
             <a:fld id="{CAEBA774-2567-1442-9B0E-3143FE8D8F09}" type="datetime1">
               <a:rPr kumimoji="1" lang="ja-JP" altLang="en-US" smtClean="0"/>
-              <a:t>2025/2/16</a:t>
+              <a:t>2025/2/20</a:t>
             </a:fld>
             <a:endParaRPr kumimoji="1" lang="ja-JP" altLang="en-US"/>
           </a:p>
@@ -2999,7 +2999,7 @@
           <a:p>
             <a:fld id="{68FDA5AB-F34F-CA44-9B14-2CA68E357C6F}" type="datetime1">
               <a:rPr kumimoji="1" lang="ja-JP" altLang="en-US" smtClean="0"/>
-              <a:t>2025/2/16</a:t>
+              <a:t>2025/2/20</a:t>
             </a:fld>
             <a:endParaRPr kumimoji="1" lang="ja-JP" altLang="en-US"/>
           </a:p>
@@ -3243,7 +3243,7 @@
             <a:fld id="{5C78B245-F1D2-CD46-ADA5-3D00524C4F4C}" type="datetime1">
               <a:rPr kumimoji="1" lang="ja-JP" altLang="en-US" smtClean="0"/>
               <a:pPr/>
-              <a:t>2025/2/16</a:t>
+              <a:t>2025/2/20</a:t>
             </a:fld>
             <a:endParaRPr kumimoji="1" lang="ja-JP" altLang="en-US"/>
           </a:p>
@@ -4744,9 +4744,22 @@
           <a:bodyPr/>
           <a:lstStyle/>
           <a:p>
-            <a:r>
-              <a:rPr lang="ja-JP" altLang="en-US"/>
-              <a:t>左でデータを選び、右で質問</a:t>
+            <a:pPr>
+              <a:tabLst>
+                <a:tab pos="6350000" algn="l"/>
+              </a:tabLst>
+            </a:pPr>
+            <a:r>
+              <a:rPr lang="ja-JP" altLang="en-US"/>
+              <a:t>左でデータを選び、右で</a:t>
+            </a:r>
+            <a:r>
+              <a:rPr lang="en-US" altLang="ja-JP" dirty="0"/>
+              <a:t>AI</a:t>
+            </a:r>
+            <a:r>
+              <a:rPr lang="ja-JP" altLang="en-US"/>
+              <a:t>に質問</a:t>
             </a:r>
             <a:endParaRPr kumimoji="1" lang="ja-JP" altLang="en-US"/>
           </a:p>
@@ -4783,10 +4796,10 @@
       </p:sp>
       <p:pic>
         <p:nvPicPr>
-          <p:cNvPr id="7" name="図 6">
+          <p:cNvPr id="13" name="図 12">
             <a:extLst>
               <a:ext uri="{FF2B5EF4-FFF2-40B4-BE49-F238E27FC236}">
-                <a16:creationId xmlns:a16="http://schemas.microsoft.com/office/drawing/2014/main" id="{BFB290D0-35C1-5FBB-B597-A21563C77011}"/>
+                <a16:creationId xmlns:a16="http://schemas.microsoft.com/office/drawing/2014/main" id="{1A1BF532-D5EE-6C44-25DA-E8E30669C5E2}"/>
               </a:ext>
             </a:extLst>
           </p:cNvPr>
@@ -4803,8 +4816,8 @@
         </p:blipFill>
         <p:spPr>
           <a:xfrm>
-            <a:off x="1814512" y="2521040"/>
-            <a:ext cx="5514975" cy="3971834"/>
+            <a:off x="2229263" y="2610204"/>
+            <a:ext cx="5136046" cy="3701695"/>
           </a:xfrm>
           <a:prstGeom prst="rect">
             <a:avLst/>
@@ -4816,6 +4829,237 @@
           </a:ln>
         </p:spPr>
       </p:pic>
+      <p:sp>
+        <p:nvSpPr>
+          <p:cNvPr id="14" name="角丸四角形 13">
+            <a:extLst>
+              <a:ext uri="{FF2B5EF4-FFF2-40B4-BE49-F238E27FC236}">
+                <a16:creationId xmlns:a16="http://schemas.microsoft.com/office/drawing/2014/main" id="{F47DE34F-85D5-3F1F-00D7-D69B86D1528A}"/>
+              </a:ext>
+            </a:extLst>
+          </p:cNvPr>
+          <p:cNvSpPr/>
+          <p:nvPr/>
+        </p:nvSpPr>
+        <p:spPr>
+          <a:xfrm>
+            <a:off x="2120347" y="4046536"/>
+            <a:ext cx="1510748" cy="2265363"/>
+          </a:xfrm>
+          <a:prstGeom prst="roundRect">
+            <a:avLst/>
+          </a:prstGeom>
+          <a:noFill/>
+          <a:ln w="38100">
+            <a:solidFill>
+              <a:schemeClr val="accent1"/>
+            </a:solidFill>
+          </a:ln>
+        </p:spPr>
+        <p:style>
+          <a:lnRef idx="2">
+            <a:schemeClr val="accent1">
+              <a:shade val="15000"/>
+            </a:schemeClr>
+          </a:lnRef>
+          <a:fillRef idx="1">
+            <a:schemeClr val="accent1"/>
+          </a:fillRef>
+          <a:effectRef idx="0">
+            <a:schemeClr val="accent1"/>
+          </a:effectRef>
+          <a:fontRef idx="minor">
+            <a:schemeClr val="lt1"/>
+          </a:fontRef>
+        </p:style>
+        <p:txBody>
+          <a:bodyPr rtlCol="0" anchor="ctr"/>
+          <a:lstStyle/>
+          <a:p>
+            <a:pPr algn="ctr"/>
+            <a:endParaRPr kumimoji="1" lang="ja-JP" altLang="en-US">
+              <a:solidFill>
+                <a:schemeClr val="tx1"/>
+              </a:solidFill>
+            </a:endParaRPr>
+          </a:p>
+        </p:txBody>
+      </p:sp>
+      <p:sp>
+        <p:nvSpPr>
+          <p:cNvPr id="15" name="角丸四角形 14">
+            <a:extLst>
+              <a:ext uri="{FF2B5EF4-FFF2-40B4-BE49-F238E27FC236}">
+                <a16:creationId xmlns:a16="http://schemas.microsoft.com/office/drawing/2014/main" id="{0C3D01D3-D208-9CD8-CF37-C4ED1852E627}"/>
+              </a:ext>
+            </a:extLst>
+          </p:cNvPr>
+          <p:cNvSpPr/>
+          <p:nvPr/>
+        </p:nvSpPr>
+        <p:spPr>
+          <a:xfrm>
+            <a:off x="3797160" y="4155246"/>
+            <a:ext cx="3412021" cy="727039"/>
+          </a:xfrm>
+          <a:prstGeom prst="roundRect">
+            <a:avLst/>
+          </a:prstGeom>
+          <a:noFill/>
+          <a:ln w="38100">
+            <a:solidFill>
+              <a:schemeClr val="accent1"/>
+            </a:solidFill>
+          </a:ln>
+        </p:spPr>
+        <p:style>
+          <a:lnRef idx="2">
+            <a:schemeClr val="accent1">
+              <a:shade val="15000"/>
+            </a:schemeClr>
+          </a:lnRef>
+          <a:fillRef idx="1">
+            <a:schemeClr val="accent1"/>
+          </a:fillRef>
+          <a:effectRef idx="0">
+            <a:schemeClr val="accent1"/>
+          </a:effectRef>
+          <a:fontRef idx="minor">
+            <a:schemeClr val="lt1"/>
+          </a:fontRef>
+        </p:style>
+        <p:txBody>
+          <a:bodyPr rtlCol="0" anchor="ctr"/>
+          <a:lstStyle/>
+          <a:p>
+            <a:pPr algn="ctr"/>
+            <a:endParaRPr kumimoji="1" lang="ja-JP" altLang="en-US">
+              <a:solidFill>
+                <a:schemeClr val="tx1"/>
+              </a:solidFill>
+            </a:endParaRPr>
+          </a:p>
+        </p:txBody>
+      </p:sp>
+      <p:sp>
+        <p:nvSpPr>
+          <p:cNvPr id="16" name="曲折矢印 15">
+            <a:extLst>
+              <a:ext uri="{FF2B5EF4-FFF2-40B4-BE49-F238E27FC236}">
+                <a16:creationId xmlns:a16="http://schemas.microsoft.com/office/drawing/2014/main" id="{E2B11B35-B0C5-B353-53CE-B241599ED196}"/>
+              </a:ext>
+            </a:extLst>
+          </p:cNvPr>
+          <p:cNvSpPr/>
+          <p:nvPr/>
+        </p:nvSpPr>
+        <p:spPr>
+          <a:xfrm rot="10800000" flipH="1">
+            <a:off x="1439715" y="2483642"/>
+            <a:ext cx="597600" cy="2695575"/>
+          </a:xfrm>
+          <a:prstGeom prst="bentArrow">
+            <a:avLst/>
+          </a:prstGeom>
+          <a:solidFill>
+            <a:srgbClr val="FFFF00"/>
+          </a:solidFill>
+          <a:ln>
+            <a:solidFill>
+              <a:schemeClr val="tx1"/>
+            </a:solidFill>
+          </a:ln>
+        </p:spPr>
+        <p:style>
+          <a:lnRef idx="2">
+            <a:schemeClr val="accent1">
+              <a:shade val="15000"/>
+            </a:schemeClr>
+          </a:lnRef>
+          <a:fillRef idx="1">
+            <a:schemeClr val="accent1"/>
+          </a:fillRef>
+          <a:effectRef idx="0">
+            <a:schemeClr val="accent1"/>
+          </a:effectRef>
+          <a:fontRef idx="minor">
+            <a:schemeClr val="lt1"/>
+          </a:fontRef>
+        </p:style>
+        <p:txBody>
+          <a:bodyPr rtlCol="0" anchor="ctr"/>
+          <a:lstStyle/>
+          <a:p>
+            <a:pPr algn="ctr"/>
+            <a:endParaRPr kumimoji="1" lang="ja-JP" altLang="en-US">
+              <a:solidFill>
+                <a:schemeClr val="tx1"/>
+              </a:solidFill>
+              <a:highlight>
+                <a:srgbClr val="FFFF00"/>
+              </a:highlight>
+            </a:endParaRPr>
+          </a:p>
+        </p:txBody>
+      </p:sp>
+      <p:sp>
+        <p:nvSpPr>
+          <p:cNvPr id="17" name="下矢印 16">
+            <a:extLst>
+              <a:ext uri="{FF2B5EF4-FFF2-40B4-BE49-F238E27FC236}">
+                <a16:creationId xmlns:a16="http://schemas.microsoft.com/office/drawing/2014/main" id="{3CE37AE8-5E02-03E5-34E1-66107A3B9F93}"/>
+              </a:ext>
+            </a:extLst>
+          </p:cNvPr>
+          <p:cNvSpPr/>
+          <p:nvPr/>
+        </p:nvSpPr>
+        <p:spPr>
+          <a:xfrm>
+            <a:off x="5797827" y="2409893"/>
+            <a:ext cx="331304" cy="1655659"/>
+          </a:xfrm>
+          <a:prstGeom prst="downArrow">
+            <a:avLst/>
+          </a:prstGeom>
+          <a:solidFill>
+            <a:srgbClr val="FFFF00"/>
+          </a:solidFill>
+          <a:ln>
+            <a:solidFill>
+              <a:schemeClr val="tx1"/>
+            </a:solidFill>
+          </a:ln>
+        </p:spPr>
+        <p:style>
+          <a:lnRef idx="2">
+            <a:schemeClr val="accent1">
+              <a:shade val="15000"/>
+            </a:schemeClr>
+          </a:lnRef>
+          <a:fillRef idx="1">
+            <a:schemeClr val="accent1"/>
+          </a:fillRef>
+          <a:effectRef idx="0">
+            <a:schemeClr val="accent1"/>
+          </a:effectRef>
+          <a:fontRef idx="minor">
+            <a:schemeClr val="lt1"/>
+          </a:fontRef>
+        </p:style>
+        <p:txBody>
+          <a:bodyPr rtlCol="0" anchor="ctr"/>
+          <a:lstStyle/>
+          <a:p>
+            <a:pPr algn="ctr"/>
+            <a:endParaRPr kumimoji="1" lang="ja-JP" altLang="en-US">
+              <a:solidFill>
+                <a:schemeClr val="tx1"/>
+              </a:solidFill>
+            </a:endParaRPr>
+          </a:p>
+        </p:txBody>
+      </p:sp>
     </p:spTree>
     <p:extLst>
       <p:ext uri="{BB962C8B-B14F-4D97-AF65-F5344CB8AC3E}">
@@ -4962,10 +5206,10 @@
       </p:sp>
       <p:pic>
         <p:nvPicPr>
-          <p:cNvPr id="5" name="図 4">
+          <p:cNvPr id="7" name="図 6">
             <a:extLst>
               <a:ext uri="{FF2B5EF4-FFF2-40B4-BE49-F238E27FC236}">
-                <a16:creationId xmlns:a16="http://schemas.microsoft.com/office/drawing/2014/main" id="{B3218CF2-3C62-D3B4-AFC0-061013F90BA2}"/>
+                <a16:creationId xmlns:a16="http://schemas.microsoft.com/office/drawing/2014/main" id="{3C0DAB8B-FD18-4D2F-2BCB-3DDE41E91426}"/>
               </a:ext>
             </a:extLst>
           </p:cNvPr>
@@ -4976,13 +5220,14 @@
         </p:nvPicPr>
         <p:blipFill>
           <a:blip r:embed="rId2"/>
-          <a:srcRect b="44162"/>
-          <a:stretch/>
+          <a:stretch>
+            <a:fillRect/>
+          </a:stretch>
         </p:blipFill>
         <p:spPr>
           <a:xfrm>
-            <a:off x="896712" y="3149690"/>
-            <a:ext cx="3754255" cy="3116967"/>
+            <a:off x="767316" y="3248203"/>
+            <a:ext cx="3804684" cy="2012303"/>
           </a:xfrm>
           <a:prstGeom prst="rect">
             <a:avLst/>
@@ -4996,10 +5241,10 @@
       </p:pic>
       <p:pic>
         <p:nvPicPr>
-          <p:cNvPr id="6" name="図 5">
+          <p:cNvPr id="8" name="図 7">
             <a:extLst>
               <a:ext uri="{FF2B5EF4-FFF2-40B4-BE49-F238E27FC236}">
-                <a16:creationId xmlns:a16="http://schemas.microsoft.com/office/drawing/2014/main" id="{24D052C1-B160-C06A-3BDC-A5B4E948FE9D}"/>
+                <a16:creationId xmlns:a16="http://schemas.microsoft.com/office/drawing/2014/main" id="{ED89A0DE-7C04-C780-F86E-6259BD1D4CAF}"/>
               </a:ext>
             </a:extLst>
           </p:cNvPr>
@@ -5010,13 +5255,14 @@
         </p:nvPicPr>
         <p:blipFill>
           <a:blip r:embed="rId3"/>
-          <a:srcRect b="40541"/>
-          <a:stretch/>
+          <a:stretch>
+            <a:fillRect/>
+          </a:stretch>
         </p:blipFill>
         <p:spPr>
           <a:xfrm>
-            <a:off x="4919029" y="2667725"/>
-            <a:ext cx="3864383" cy="3627447"/>
+            <a:off x="5062063" y="2533780"/>
+            <a:ext cx="3453287" cy="4187696"/>
           </a:xfrm>
           <a:prstGeom prst="rect">
             <a:avLst/>
@@ -5028,6 +5274,45 @@
           </a:ln>
         </p:spPr>
       </p:pic>
+      <p:sp>
+        <p:nvSpPr>
+          <p:cNvPr id="9" name="テキスト ボックス 8">
+            <a:extLst>
+              <a:ext uri="{FF2B5EF4-FFF2-40B4-BE49-F238E27FC236}">
+                <a16:creationId xmlns:a16="http://schemas.microsoft.com/office/drawing/2014/main" id="{0B719CD5-BC81-7CE6-D55C-C00792AF0D2C}"/>
+              </a:ext>
+            </a:extLst>
+          </p:cNvPr>
+          <p:cNvSpPr txBox="1"/>
+          <p:nvPr/>
+        </p:nvSpPr>
+        <p:spPr>
+          <a:xfrm>
+            <a:off x="928476" y="5268830"/>
+            <a:ext cx="1741182" cy="369332"/>
+          </a:xfrm>
+          <a:prstGeom prst="rect">
+            <a:avLst/>
+          </a:prstGeom>
+          <a:noFill/>
+        </p:spPr>
+        <p:txBody>
+          <a:bodyPr wrap="none" rtlCol="0">
+            <a:spAutoFit/>
+          </a:bodyPr>
+          <a:lstStyle/>
+          <a:p>
+            <a:r>
+              <a:rPr kumimoji="1" lang="en-US" altLang="ja-JP" dirty="0"/>
+              <a:t>think</a:t>
+            </a:r>
+            <a:r>
+              <a:rPr kumimoji="1" lang="ja-JP" altLang="en-US"/>
+              <a:t>している</a:t>
+            </a:r>
+          </a:p>
+        </p:txBody>
+      </p:sp>
     </p:spTree>
     <p:extLst>
       <p:ext uri="{BB962C8B-B14F-4D97-AF65-F5344CB8AC3E}">

--- a/docs/ai_co_create_open_data_hachinohe.pptx
+++ b/docs/ai_co_create_open_data_hachinohe.pptx
@@ -5,7 +5,7 @@
     <p:sldMasterId id="2147483660" r:id="rId1"/>
   </p:sldMasterIdLst>
   <p:notesMasterIdLst>
-    <p:notesMasterId r:id="rId9"/>
+    <p:notesMasterId r:id="rId10"/>
   </p:notesMasterIdLst>
   <p:sldIdLst>
     <p:sldId id="256" r:id="rId2"/>
@@ -15,6 +15,7 @@
     <p:sldId id="260" r:id="rId6"/>
     <p:sldId id="261" r:id="rId7"/>
     <p:sldId id="262" r:id="rId8"/>
+    <p:sldId id="263" r:id="rId9"/>
   </p:sldIdLst>
   <p:sldSz cx="9144000" cy="6858000" type="screen4x3"/>
   <p:notesSz cx="6858000" cy="9144000"/>
@@ -203,7 +204,7 @@
           <a:p>
             <a:fld id="{143D0302-6A01-B948-9EFD-7D48D6E1EA17}" type="datetimeFigureOut">
               <a:rPr kumimoji="1" lang="ja-JP" altLang="en-US" smtClean="0"/>
-              <a:t>2025/2/20</a:t>
+              <a:t>2025/2/24</a:t>
             </a:fld>
             <a:endParaRPr kumimoji="1" lang="ja-JP" altLang="en-US"/>
           </a:p>
@@ -633,7 +634,7 @@
           <a:p>
             <a:fld id="{E7E571D0-F083-AA46-BA1D-B30058881D54}" type="datetime1">
               <a:rPr kumimoji="1" lang="ja-JP" altLang="en-US" smtClean="0"/>
-              <a:t>2025/2/20</a:t>
+              <a:t>2025/2/24</a:t>
             </a:fld>
             <a:endParaRPr kumimoji="1" lang="ja-JP" altLang="en-US"/>
           </a:p>
@@ -835,7 +836,7 @@
           <a:p>
             <a:fld id="{95872798-86BF-D645-832E-B6E4AAE05135}" type="datetime1">
               <a:rPr kumimoji="1" lang="ja-JP" altLang="en-US" smtClean="0"/>
-              <a:t>2025/2/20</a:t>
+              <a:t>2025/2/24</a:t>
             </a:fld>
             <a:endParaRPr kumimoji="1" lang="ja-JP" altLang="en-US"/>
           </a:p>
@@ -1047,7 +1048,7 @@
           <a:p>
             <a:fld id="{F31AD8DB-1ADE-354C-8BE1-5D258B458081}" type="datetime1">
               <a:rPr kumimoji="1" lang="ja-JP" altLang="en-US" smtClean="0"/>
-              <a:t>2025/2/20</a:t>
+              <a:t>2025/2/24</a:t>
             </a:fld>
             <a:endParaRPr kumimoji="1" lang="ja-JP" altLang="en-US"/>
           </a:p>
@@ -1249,7 +1250,7 @@
           <a:p>
             <a:fld id="{ED56A724-01AF-534A-8324-F59D8188BB4B}" type="datetime1">
               <a:rPr kumimoji="1" lang="ja-JP" altLang="en-US" smtClean="0"/>
-              <a:t>2025/2/20</a:t>
+              <a:t>2025/2/24</a:t>
             </a:fld>
             <a:endParaRPr kumimoji="1" lang="ja-JP" altLang="en-US"/>
           </a:p>
@@ -1493,7 +1494,7 @@
           <a:p>
             <a:fld id="{5E7BEBD0-A6D7-3C40-90A7-46FE9A29449D}" type="datetime1">
               <a:rPr kumimoji="1" lang="ja-JP" altLang="en-US" smtClean="0"/>
-              <a:t>2025/2/20</a:t>
+              <a:t>2025/2/24</a:t>
             </a:fld>
             <a:endParaRPr kumimoji="1" lang="ja-JP" altLang="en-US"/>
           </a:p>
@@ -1789,7 +1790,7 @@
           <a:p>
             <a:fld id="{8C68EAA0-0290-A049-AB0E-77368EA7DC5E}" type="datetime1">
               <a:rPr kumimoji="1" lang="ja-JP" altLang="en-US" smtClean="0"/>
-              <a:t>2025/2/20</a:t>
+              <a:t>2025/2/24</a:t>
             </a:fld>
             <a:endParaRPr kumimoji="1" lang="ja-JP" altLang="en-US"/>
           </a:p>
@@ -2220,7 +2221,7 @@
           <a:p>
             <a:fld id="{AC8DA66C-4753-9D4A-A4D0-A2D05FD4BDE9}" type="datetime1">
               <a:rPr kumimoji="1" lang="ja-JP" altLang="en-US" smtClean="0"/>
-              <a:t>2025/2/20</a:t>
+              <a:t>2025/2/24</a:t>
             </a:fld>
             <a:endParaRPr kumimoji="1" lang="ja-JP" altLang="en-US"/>
           </a:p>
@@ -2338,7 +2339,7 @@
           <a:p>
             <a:fld id="{149CCED1-5CC5-134F-9F83-99A3A9CC9AE6}" type="datetime1">
               <a:rPr kumimoji="1" lang="ja-JP" altLang="en-US" smtClean="0"/>
-              <a:t>2025/2/20</a:t>
+              <a:t>2025/2/24</a:t>
             </a:fld>
             <a:endParaRPr kumimoji="1" lang="ja-JP" altLang="en-US"/>
           </a:p>
@@ -2433,7 +2434,7 @@
           <a:p>
             <a:fld id="{7F4B22A9-7A7F-5647-953B-2EC2F1A5BD2B}" type="datetime1">
               <a:rPr kumimoji="1" lang="ja-JP" altLang="en-US" smtClean="0"/>
-              <a:t>2025/2/20</a:t>
+              <a:t>2025/2/24</a:t>
             </a:fld>
             <a:endParaRPr kumimoji="1" lang="ja-JP" altLang="en-US"/>
           </a:p>
@@ -2742,7 +2743,7 @@
           <a:p>
             <a:fld id="{CAEBA774-2567-1442-9B0E-3143FE8D8F09}" type="datetime1">
               <a:rPr kumimoji="1" lang="ja-JP" altLang="en-US" smtClean="0"/>
-              <a:t>2025/2/20</a:t>
+              <a:t>2025/2/24</a:t>
             </a:fld>
             <a:endParaRPr kumimoji="1" lang="ja-JP" altLang="en-US"/>
           </a:p>
@@ -2999,7 +3000,7 @@
           <a:p>
             <a:fld id="{68FDA5AB-F34F-CA44-9B14-2CA68E357C6F}" type="datetime1">
               <a:rPr kumimoji="1" lang="ja-JP" altLang="en-US" smtClean="0"/>
-              <a:t>2025/2/20</a:t>
+              <a:t>2025/2/24</a:t>
             </a:fld>
             <a:endParaRPr kumimoji="1" lang="ja-JP" altLang="en-US"/>
           </a:p>
@@ -3243,7 +3244,7 @@
             <a:fld id="{5C78B245-F1D2-CD46-ADA5-3D00524C4F4C}" type="datetime1">
               <a:rPr kumimoji="1" lang="ja-JP" altLang="en-US" smtClean="0"/>
               <a:pPr/>
-              <a:t>2025/2/20</a:t>
+              <a:t>2025/2/24</a:t>
             </a:fld>
             <a:endParaRPr kumimoji="1" lang="ja-JP" altLang="en-US"/>
           </a:p>
@@ -5560,6 +5561,508 @@
     <p:extLst>
       <p:ext uri="{BB962C8B-B14F-4D97-AF65-F5344CB8AC3E}">
         <p14:creationId xmlns:p14="http://schemas.microsoft.com/office/powerpoint/2010/main" val="2986788777"/>
+      </p:ext>
+    </p:extLst>
+  </p:cSld>
+  <p:clrMapOvr>
+    <a:masterClrMapping/>
+  </p:clrMapOvr>
+</p:sld>
+</file>
+
+<file path=ppt/slides/slide8.xml><?xml version="1.0" encoding="utf-8"?>
+<p:sld xmlns:a="http://schemas.openxmlformats.org/drawingml/2006/main" xmlns:r="http://schemas.openxmlformats.org/officeDocument/2006/relationships" xmlns:p="http://schemas.openxmlformats.org/presentationml/2006/main">
+  <p:cSld>
+    <p:spTree>
+      <p:nvGrpSpPr>
+        <p:cNvPr id="1" name=""/>
+        <p:cNvGrpSpPr/>
+        <p:nvPr/>
+      </p:nvGrpSpPr>
+      <p:grpSpPr>
+        <a:xfrm>
+          <a:off x="0" y="0"/>
+          <a:ext cx="0" cy="0"/>
+          <a:chOff x="0" y="0"/>
+          <a:chExt cx="0" cy="0"/>
+        </a:xfrm>
+      </p:grpSpPr>
+      <p:sp>
+        <p:nvSpPr>
+          <p:cNvPr id="2" name="タイトル 1">
+            <a:extLst>
+              <a:ext uri="{FF2B5EF4-FFF2-40B4-BE49-F238E27FC236}">
+                <a16:creationId xmlns:a16="http://schemas.microsoft.com/office/drawing/2014/main" id="{2D2FA69D-89BA-50A9-9102-64CC7B4259EA}"/>
+              </a:ext>
+            </a:extLst>
+          </p:cNvPr>
+          <p:cNvSpPr>
+            <a:spLocks noGrp="1"/>
+          </p:cNvSpPr>
+          <p:nvPr>
+            <p:ph type="title"/>
+          </p:nvPr>
+        </p:nvSpPr>
+        <p:spPr/>
+        <p:txBody>
+          <a:bodyPr/>
+          <a:lstStyle/>
+          <a:p>
+            <a:r>
+              <a:rPr kumimoji="1" lang="ja-JP" altLang="en-US"/>
+              <a:t>技術的補足</a:t>
+            </a:r>
+            <a:r>
+              <a:rPr kumimoji="1" lang="en-US" altLang="ja-JP" dirty="0"/>
+              <a:t>:</a:t>
+            </a:r>
+            <a:r>
+              <a:rPr lang="en-US" altLang="ja-JP" dirty="0"/>
+              <a:t> </a:t>
+            </a:r>
+            <a:r>
+              <a:rPr lang="ja-JP" altLang="en-US"/>
+              <a:t>プロンプト</a:t>
+            </a:r>
+            <a:endParaRPr kumimoji="1" lang="ja-JP" altLang="en-US"/>
+          </a:p>
+        </p:txBody>
+      </p:sp>
+      <p:sp>
+        <p:nvSpPr>
+          <p:cNvPr id="4" name="スライド番号プレースホルダー 3">
+            <a:extLst>
+              <a:ext uri="{FF2B5EF4-FFF2-40B4-BE49-F238E27FC236}">
+                <a16:creationId xmlns:a16="http://schemas.microsoft.com/office/drawing/2014/main" id="{A7A11081-0BD3-C3F2-3AE3-380CC3756087}"/>
+              </a:ext>
+            </a:extLst>
+          </p:cNvPr>
+          <p:cNvSpPr>
+            <a:spLocks noGrp="1"/>
+          </p:cNvSpPr>
+          <p:nvPr>
+            <p:ph type="sldNum" sz="quarter" idx="12"/>
+          </p:nvPr>
+        </p:nvSpPr>
+        <p:spPr/>
+        <p:txBody>
+          <a:bodyPr/>
+          <a:lstStyle/>
+          <a:p>
+            <a:fld id="{4FF68282-E4A1-3A4C-91E9-99AA43AB292F}" type="slidenum">
+              <a:rPr kumimoji="1" lang="ja-JP" altLang="en-US" smtClean="0"/>
+              <a:t>8</a:t>
+            </a:fld>
+            <a:endParaRPr kumimoji="1" lang="ja-JP" altLang="en-US"/>
+          </a:p>
+        </p:txBody>
+      </p:sp>
+      <p:sp>
+        <p:nvSpPr>
+          <p:cNvPr id="6" name="コンテンツ プレースホルダー 5">
+            <a:extLst>
+              <a:ext uri="{FF2B5EF4-FFF2-40B4-BE49-F238E27FC236}">
+                <a16:creationId xmlns:a16="http://schemas.microsoft.com/office/drawing/2014/main" id="{627ED2A7-8AD0-CB1E-48E0-1AC4792E0CD4}"/>
+              </a:ext>
+            </a:extLst>
+          </p:cNvPr>
+          <p:cNvSpPr>
+            <a:spLocks noGrp="1"/>
+          </p:cNvSpPr>
+          <p:nvPr>
+            <p:ph idx="1"/>
+          </p:nvPr>
+        </p:nvSpPr>
+        <p:spPr>
+          <a:xfrm>
+            <a:off x="628649" y="1825625"/>
+            <a:ext cx="8190497" cy="4351338"/>
+          </a:xfrm>
+          <a:ln>
+            <a:solidFill>
+              <a:schemeClr val="tx1"/>
+            </a:solidFill>
+          </a:ln>
+        </p:spPr>
+        <p:txBody>
+          <a:bodyPr>
+            <a:normAutofit fontScale="92500"/>
+          </a:bodyPr>
+          <a:lstStyle/>
+          <a:p>
+            <a:pPr marL="0" indent="0">
+              <a:spcBef>
+                <a:spcPts val="0"/>
+              </a:spcBef>
+              <a:buNone/>
+            </a:pPr>
+            <a:r>
+              <a:rPr lang="ja-JP" altLang="en-US" sz="1500" b="1"/>
+              <a:t>システム・プロンプト</a:t>
+            </a:r>
+          </a:p>
+          <a:p>
+            <a:pPr marL="0" indent="0">
+              <a:spcBef>
+                <a:spcPts val="0"/>
+              </a:spcBef>
+              <a:buNone/>
+            </a:pPr>
+            <a:r>
+              <a:rPr lang="ja-JP" altLang="en-US" sz="1200"/>
+              <a:t>あなたは、経験豊富で思慮深くアイデアに満ちた親切なアドバイザーです。</a:t>
+            </a:r>
+          </a:p>
+          <a:p>
+            <a:pPr marL="0" indent="0">
+              <a:spcBef>
+                <a:spcPts val="0"/>
+              </a:spcBef>
+              <a:buNone/>
+            </a:pPr>
+            <a:endParaRPr lang="ja-JP" altLang="en-US" sz="1200"/>
+          </a:p>
+          <a:p>
+            <a:pPr marL="0" indent="0">
+              <a:spcBef>
+                <a:spcPts val="0"/>
+              </a:spcBef>
+              <a:buNone/>
+            </a:pPr>
+            <a:r>
+              <a:rPr lang="ja-JP" altLang="en-US" sz="1500" b="1"/>
+              <a:t>ユーザー・プロンプト</a:t>
+            </a:r>
+          </a:p>
+          <a:p>
+            <a:pPr marL="0" indent="0">
+              <a:spcBef>
+                <a:spcPts val="0"/>
+              </a:spcBef>
+              <a:buNone/>
+            </a:pPr>
+            <a:r>
+              <a:rPr lang="en-US" altLang="ja-JP" sz="1200" dirty="0"/>
+              <a:t># </a:t>
+            </a:r>
+            <a:r>
+              <a:rPr lang="ja-JP" altLang="en-US" sz="1200"/>
+              <a:t>使用するオープンデータ</a:t>
+            </a:r>
+          </a:p>
+          <a:p>
+            <a:pPr marL="0" indent="0">
+              <a:spcBef>
+                <a:spcPts val="0"/>
+              </a:spcBef>
+              <a:buNone/>
+            </a:pPr>
+            <a:r>
+              <a:rPr lang="ja-JP" altLang="en-US" sz="1200"/>
+              <a:t>公共施設一覧 </a:t>
+            </a:r>
+            <a:r>
+              <a:rPr lang="en-US" altLang="ja-JP" sz="1200" dirty="0"/>
+              <a:t>= {</a:t>
+            </a:r>
+          </a:p>
+          <a:p>
+            <a:pPr marL="0" indent="0">
+              <a:spcBef>
+                <a:spcPts val="0"/>
+              </a:spcBef>
+              <a:buNone/>
+            </a:pPr>
+            <a:r>
+              <a:rPr lang="en-US" altLang="ja-JP" sz="1200" dirty="0"/>
+              <a:t>    0: {'</a:t>
+            </a:r>
+            <a:r>
+              <a:rPr lang="ja-JP" altLang="en-US" sz="1200"/>
+              <a:t>市区町村コード</a:t>
+            </a:r>
+            <a:r>
+              <a:rPr lang="en-US" altLang="ja-JP" sz="1200" dirty="0"/>
+              <a:t>': 22039, '</a:t>
+            </a:r>
+            <a:r>
+              <a:rPr lang="ja-JP" altLang="en-US" sz="1200"/>
+              <a:t>都道府県名</a:t>
+            </a:r>
+            <a:r>
+              <a:rPr lang="en-US" altLang="ja-JP" sz="1200" dirty="0"/>
+              <a:t>': '</a:t>
+            </a:r>
+            <a:r>
+              <a:rPr lang="ja-JP" altLang="en-US" sz="1200"/>
+              <a:t>青森県</a:t>
+            </a:r>
+            <a:r>
+              <a:rPr lang="en-US" altLang="ja-JP" sz="1200" dirty="0"/>
+              <a:t>', '</a:t>
+            </a:r>
+            <a:r>
+              <a:rPr lang="ja-JP" altLang="en-US" sz="1200"/>
+              <a:t>市区町村名</a:t>
+            </a:r>
+            <a:r>
+              <a:rPr lang="en-US" altLang="ja-JP" sz="1200" dirty="0"/>
+              <a:t>': '</a:t>
+            </a:r>
+            <a:r>
+              <a:rPr lang="ja-JP" altLang="en-US" sz="1200"/>
+              <a:t>八戸市</a:t>
+            </a:r>
+            <a:r>
+              <a:rPr lang="en-US" altLang="ja-JP" sz="1200" dirty="0"/>
+              <a:t>', '</a:t>
+            </a:r>
+            <a:r>
+              <a:rPr lang="ja-JP" altLang="en-US" sz="1200"/>
+              <a:t>名称</a:t>
+            </a:r>
+            <a:r>
+              <a:rPr lang="en-US" altLang="ja-JP" sz="1200" dirty="0"/>
+              <a:t>': '</a:t>
+            </a:r>
+            <a:r>
+              <a:rPr lang="ja-JP" altLang="en-US" sz="1200"/>
+              <a:t>八戸市役所</a:t>
+            </a:r>
+            <a:r>
+              <a:rPr lang="en-US" altLang="ja-JP" sz="1200" dirty="0"/>
+              <a:t>', ... },</a:t>
+            </a:r>
+          </a:p>
+          <a:p>
+            <a:pPr marL="0" indent="0">
+              <a:spcBef>
+                <a:spcPts val="0"/>
+              </a:spcBef>
+              <a:buNone/>
+            </a:pPr>
+            <a:r>
+              <a:rPr lang="en-US" altLang="ja-JP" sz="1200" dirty="0"/>
+              <a:t>    1: {'</a:t>
+            </a:r>
+            <a:r>
+              <a:rPr lang="ja-JP" altLang="en-US" sz="1200"/>
+              <a:t>市区町村コード</a:t>
+            </a:r>
+            <a:r>
+              <a:rPr lang="en-US" altLang="ja-JP" sz="1200" dirty="0"/>
+              <a:t>': 22039, '</a:t>
+            </a:r>
+            <a:r>
+              <a:rPr lang="ja-JP" altLang="en-US" sz="1200"/>
+              <a:t>都道府県名</a:t>
+            </a:r>
+            <a:r>
+              <a:rPr lang="en-US" altLang="ja-JP" sz="1200" dirty="0"/>
+              <a:t>': '</a:t>
+            </a:r>
+            <a:r>
+              <a:rPr lang="ja-JP" altLang="en-US" sz="1200"/>
+              <a:t>青森県</a:t>
+            </a:r>
+            <a:r>
+              <a:rPr lang="en-US" altLang="ja-JP" sz="1200" dirty="0"/>
+              <a:t>', '</a:t>
+            </a:r>
+            <a:r>
+              <a:rPr lang="ja-JP" altLang="en-US" sz="1200"/>
+              <a:t>市区町村名</a:t>
+            </a:r>
+            <a:r>
+              <a:rPr lang="en-US" altLang="ja-JP" sz="1200" dirty="0"/>
+              <a:t>': '</a:t>
+            </a:r>
+            <a:r>
+              <a:rPr lang="ja-JP" altLang="en-US" sz="1200"/>
+              <a:t>八戸市</a:t>
+            </a:r>
+            <a:r>
+              <a:rPr lang="en-US" altLang="ja-JP" sz="1200" dirty="0"/>
+              <a:t>', '</a:t>
+            </a:r>
+            <a:r>
+              <a:rPr lang="ja-JP" altLang="en-US" sz="1200"/>
+              <a:t>名称</a:t>
+            </a:r>
+            <a:r>
+              <a:rPr lang="en-US" altLang="ja-JP" sz="1200" dirty="0"/>
+              <a:t>': '</a:t>
+            </a:r>
+            <a:r>
+              <a:rPr lang="ja-JP" altLang="en-US" sz="1200"/>
+              <a:t>南郷事務所</a:t>
+            </a:r>
+            <a:r>
+              <a:rPr lang="en-US" altLang="ja-JP" sz="1200" dirty="0"/>
+              <a:t>', ... },</a:t>
+            </a:r>
+          </a:p>
+          <a:p>
+            <a:pPr marL="0" indent="0">
+              <a:spcBef>
+                <a:spcPts val="0"/>
+              </a:spcBef>
+              <a:buNone/>
+            </a:pPr>
+            <a:r>
+              <a:rPr lang="en-US" altLang="ja-JP" sz="1200" dirty="0"/>
+              <a:t>    ...</a:t>
+            </a:r>
+          </a:p>
+          <a:p>
+            <a:pPr marL="0" indent="0">
+              <a:spcBef>
+                <a:spcPts val="0"/>
+              </a:spcBef>
+              <a:buNone/>
+            </a:pPr>
+            <a:r>
+              <a:rPr lang="en-US" altLang="ja-JP" sz="1200" dirty="0"/>
+              <a:t>}</a:t>
+            </a:r>
+          </a:p>
+          <a:p>
+            <a:pPr marL="0" indent="0">
+              <a:spcBef>
+                <a:spcPts val="0"/>
+              </a:spcBef>
+              <a:buNone/>
+            </a:pPr>
+            <a:r>
+              <a:rPr lang="en-US" altLang="ja-JP" sz="1200" dirty="0"/>
+              <a:t>...</a:t>
+            </a:r>
+            <a:r>
+              <a:rPr lang="ja-JP" altLang="en-US" sz="1200"/>
+              <a:t>以上のように選択したオープンデータが並ぶ</a:t>
+            </a:r>
+            <a:endParaRPr lang="en-US" altLang="ja-JP" sz="1200" dirty="0"/>
+          </a:p>
+          <a:p>
+            <a:pPr marL="0" indent="0">
+              <a:spcBef>
+                <a:spcPts val="0"/>
+              </a:spcBef>
+              <a:buNone/>
+            </a:pPr>
+            <a:r>
+              <a:rPr lang="en-US" altLang="ja-JP" sz="1200" dirty="0"/>
+              <a:t>----</a:t>
+            </a:r>
+          </a:p>
+          <a:p>
+            <a:pPr marL="0" indent="0">
+              <a:spcBef>
+                <a:spcPts val="0"/>
+              </a:spcBef>
+              <a:buNone/>
+            </a:pPr>
+            <a:r>
+              <a:rPr lang="ja-JP" altLang="en-US" sz="1200"/>
+              <a:t>以上は、八戸市のオープンデータです。</a:t>
+            </a:r>
+          </a:p>
+          <a:p>
+            <a:pPr marL="0" indent="0">
+              <a:spcBef>
+                <a:spcPts val="0"/>
+              </a:spcBef>
+              <a:buNone/>
+            </a:pPr>
+            <a:endParaRPr lang="ja-JP" altLang="en-US" sz="1200"/>
+          </a:p>
+          <a:p>
+            <a:pPr marL="0" indent="0">
+              <a:spcBef>
+                <a:spcPts val="0"/>
+              </a:spcBef>
+              <a:buNone/>
+            </a:pPr>
+            <a:r>
+              <a:rPr lang="en-US" altLang="ja-JP" sz="1200" dirty="0"/>
+              <a:t># </a:t>
+            </a:r>
+            <a:r>
+              <a:rPr lang="ja-JP" altLang="en-US" sz="1200"/>
+              <a:t>ユーザーの質問</a:t>
+            </a:r>
+          </a:p>
+          <a:p>
+            <a:pPr marL="0" indent="0">
+              <a:spcBef>
+                <a:spcPts val="0"/>
+              </a:spcBef>
+              <a:buNone/>
+            </a:pPr>
+            <a:r>
+              <a:rPr lang="en-US" altLang="ja-JP" sz="1200" dirty="0"/>
+              <a:t>※</a:t>
+            </a:r>
+            <a:r>
+              <a:rPr lang="ja-JP" altLang="en-US" sz="1200"/>
+              <a:t>ここにユーザーの質問が入る</a:t>
+            </a:r>
+          </a:p>
+          <a:p>
+            <a:pPr marL="0" indent="0">
+              <a:spcBef>
+                <a:spcPts val="0"/>
+              </a:spcBef>
+              <a:buNone/>
+            </a:pPr>
+            <a:endParaRPr lang="ja-JP" altLang="en-US" sz="1200"/>
+          </a:p>
+          <a:p>
+            <a:pPr marL="0" indent="0">
+              <a:spcBef>
+                <a:spcPts val="0"/>
+              </a:spcBef>
+              <a:buNone/>
+            </a:pPr>
+            <a:r>
+              <a:rPr lang="en-US" altLang="ja-JP" sz="1200" dirty="0"/>
+              <a:t># </a:t>
+            </a:r>
+            <a:r>
+              <a:rPr lang="ja-JP" altLang="en-US" sz="1200"/>
+              <a:t>依頼</a:t>
+            </a:r>
+          </a:p>
+          <a:p>
+            <a:pPr marL="0" indent="0">
+              <a:spcBef>
+                <a:spcPts val="0"/>
+              </a:spcBef>
+              <a:buNone/>
+            </a:pPr>
+            <a:r>
+              <a:rPr lang="ja-JP" altLang="en-US" sz="1200"/>
+              <a:t>ユーザーの質問にステップバイステップで考えて、回答してください。</a:t>
+            </a:r>
+          </a:p>
+          <a:p>
+            <a:pPr marL="0" indent="0">
+              <a:spcBef>
+                <a:spcPts val="0"/>
+              </a:spcBef>
+              <a:buNone/>
+            </a:pPr>
+            <a:r>
+              <a:rPr lang="ja-JP" altLang="en-US" sz="1200"/>
+              <a:t>回答する前に回答を見直しして改善してから、回答してください。</a:t>
+            </a:r>
+          </a:p>
+        </p:txBody>
+      </p:sp>
+    </p:spTree>
+    <p:extLst>
+      <p:ext uri="{BB962C8B-B14F-4D97-AF65-F5344CB8AC3E}">
+        <p14:creationId xmlns:p14="http://schemas.microsoft.com/office/powerpoint/2010/main" val="336183327"/>
       </p:ext>
     </p:extLst>
   </p:cSld>
